--- a/ppt 16-9/0220.圣诞赞歌.pptx
+++ b/ppt 16-9/0220.圣诞赞歌.pptx
@@ -129,7 +129,7 @@
           <p:cNvPr id="2" name="标题 1">
             <a:extLst>
               <a:ext uri="{FF2B5EF4-FFF2-40B4-BE49-F238E27FC236}">
-                <a16:creationId xmlns:a16="http://schemas.microsoft.com/office/drawing/2014/main" id="{B9B7D3A6-BFF8-32F0-D953-56B860CEF897}"/>
+                <a16:creationId xmlns:a16="http://schemas.microsoft.com/office/drawing/2014/main" id="{38AA3AC9-7D6E-66E4-A6CD-29B896D09CB4}"/>
               </a:ext>
             </a:extLst>
           </p:cNvPr>
@@ -166,7 +166,7 @@
           <p:cNvPr id="3" name="副标题 2">
             <a:extLst>
               <a:ext uri="{FF2B5EF4-FFF2-40B4-BE49-F238E27FC236}">
-                <a16:creationId xmlns:a16="http://schemas.microsoft.com/office/drawing/2014/main" id="{5C150981-C12B-F4B1-7008-2B477D1B4718}"/>
+                <a16:creationId xmlns:a16="http://schemas.microsoft.com/office/drawing/2014/main" id="{68E5BDAC-9E45-12A6-B6A5-236997CA430D}"/>
               </a:ext>
             </a:extLst>
           </p:cNvPr>
@@ -236,7 +236,7 @@
           <p:cNvPr id="4" name="日期占位符 3">
             <a:extLst>
               <a:ext uri="{FF2B5EF4-FFF2-40B4-BE49-F238E27FC236}">
-                <a16:creationId xmlns:a16="http://schemas.microsoft.com/office/drawing/2014/main" id="{5CEF4138-49B7-7183-4CDA-6C81003CC691}"/>
+                <a16:creationId xmlns:a16="http://schemas.microsoft.com/office/drawing/2014/main" id="{25D46D32-4553-9DF9-1200-CED85672A0FF}"/>
               </a:ext>
             </a:extLst>
           </p:cNvPr>
@@ -252,7 +252,7 @@
           <a:bodyPr/>
           <a:lstStyle/>
           <a:p>
-            <a:fld id="{2EBEDCAF-71C7-41B9-A913-19961FA98887}" type="datetimeFigureOut">
+            <a:fld id="{B57A9F4B-D8FB-4F2D-A390-8231481108DC}" type="datetimeFigureOut">
               <a:rPr lang="zh-CN" altLang="en-US" smtClean="0"/>
               <a:t>2024/3/10</a:t>
             </a:fld>
@@ -265,7 +265,7 @@
           <p:cNvPr id="5" name="页脚占位符 4">
             <a:extLst>
               <a:ext uri="{FF2B5EF4-FFF2-40B4-BE49-F238E27FC236}">
-                <a16:creationId xmlns:a16="http://schemas.microsoft.com/office/drawing/2014/main" id="{8ED56D0D-586F-7336-85D9-ABD2B8D77E56}"/>
+                <a16:creationId xmlns:a16="http://schemas.microsoft.com/office/drawing/2014/main" id="{2E2D7DD6-5A94-0C7A-70F0-676F42924685}"/>
               </a:ext>
             </a:extLst>
           </p:cNvPr>
@@ -290,7 +290,7 @@
           <p:cNvPr id="6" name="灯片编号占位符 5">
             <a:extLst>
               <a:ext uri="{FF2B5EF4-FFF2-40B4-BE49-F238E27FC236}">
-                <a16:creationId xmlns:a16="http://schemas.microsoft.com/office/drawing/2014/main" id="{D702E1ED-9268-2CDC-8912-18E2859CAB8E}"/>
+                <a16:creationId xmlns:a16="http://schemas.microsoft.com/office/drawing/2014/main" id="{5954E8AD-E62C-96B9-E9B8-760ACA1E21B2}"/>
               </a:ext>
             </a:extLst>
           </p:cNvPr>
@@ -306,7 +306,7 @@
           <a:bodyPr/>
           <a:lstStyle/>
           <a:p>
-            <a:fld id="{976ABF4D-2797-490F-9ACB-9F992E7D8F78}" type="slidenum">
+            <a:fld id="{679D049F-EC02-4B51-A020-71D6B9AFC62C}" type="slidenum">
               <a:rPr lang="zh-CN" altLang="en-US" smtClean="0"/>
               <a:t>‹#›</a:t>
             </a:fld>
@@ -317,7 +317,7 @@
     </p:spTree>
     <p:extLst>
       <p:ext uri="{BB962C8B-B14F-4D97-AF65-F5344CB8AC3E}">
-        <p14:creationId xmlns:p14="http://schemas.microsoft.com/office/powerpoint/2010/main" val="919366494"/>
+        <p14:creationId xmlns:p14="http://schemas.microsoft.com/office/powerpoint/2010/main" val="1630643260"/>
       </p:ext>
     </p:extLst>
   </p:cSld>
@@ -349,7 +349,7 @@
           <p:cNvPr id="2" name="标题 1">
             <a:extLst>
               <a:ext uri="{FF2B5EF4-FFF2-40B4-BE49-F238E27FC236}">
-                <a16:creationId xmlns:a16="http://schemas.microsoft.com/office/drawing/2014/main" id="{E05A6E5B-293B-2E0E-E070-5ED3F5759408}"/>
+                <a16:creationId xmlns:a16="http://schemas.microsoft.com/office/drawing/2014/main" id="{CD8BDFCF-6765-CB62-4853-687BE890A60E}"/>
               </a:ext>
             </a:extLst>
           </p:cNvPr>
@@ -377,7 +377,7 @@
           <p:cNvPr id="3" name="竖排文字占位符 2">
             <a:extLst>
               <a:ext uri="{FF2B5EF4-FFF2-40B4-BE49-F238E27FC236}">
-                <a16:creationId xmlns:a16="http://schemas.microsoft.com/office/drawing/2014/main" id="{262ADEE1-1C58-69DF-B0BD-8DC9379B0ABA}"/>
+                <a16:creationId xmlns:a16="http://schemas.microsoft.com/office/drawing/2014/main" id="{DEFCBBFC-48FB-160D-AEC8-CE7C6C484762}"/>
               </a:ext>
             </a:extLst>
           </p:cNvPr>
@@ -434,7 +434,7 @@
           <p:cNvPr id="4" name="日期占位符 3">
             <a:extLst>
               <a:ext uri="{FF2B5EF4-FFF2-40B4-BE49-F238E27FC236}">
-                <a16:creationId xmlns:a16="http://schemas.microsoft.com/office/drawing/2014/main" id="{9ECE19B9-1A3A-93F8-289C-0174593765F3}"/>
+                <a16:creationId xmlns:a16="http://schemas.microsoft.com/office/drawing/2014/main" id="{F434E684-AD9A-0637-D525-596D1A7C18A0}"/>
               </a:ext>
             </a:extLst>
           </p:cNvPr>
@@ -450,7 +450,7 @@
           <a:bodyPr/>
           <a:lstStyle/>
           <a:p>
-            <a:fld id="{2EBEDCAF-71C7-41B9-A913-19961FA98887}" type="datetimeFigureOut">
+            <a:fld id="{B57A9F4B-D8FB-4F2D-A390-8231481108DC}" type="datetimeFigureOut">
               <a:rPr lang="zh-CN" altLang="en-US" smtClean="0"/>
               <a:t>2024/3/10</a:t>
             </a:fld>
@@ -463,7 +463,7 @@
           <p:cNvPr id="5" name="页脚占位符 4">
             <a:extLst>
               <a:ext uri="{FF2B5EF4-FFF2-40B4-BE49-F238E27FC236}">
-                <a16:creationId xmlns:a16="http://schemas.microsoft.com/office/drawing/2014/main" id="{CF166FA5-3D5F-3368-5518-01A0E1E6C744}"/>
+                <a16:creationId xmlns:a16="http://schemas.microsoft.com/office/drawing/2014/main" id="{D6B59834-8B3E-E55C-AF86-CBB82DCF62F0}"/>
               </a:ext>
             </a:extLst>
           </p:cNvPr>
@@ -488,7 +488,7 @@
           <p:cNvPr id="6" name="灯片编号占位符 5">
             <a:extLst>
               <a:ext uri="{FF2B5EF4-FFF2-40B4-BE49-F238E27FC236}">
-                <a16:creationId xmlns:a16="http://schemas.microsoft.com/office/drawing/2014/main" id="{AF2EC2F9-3753-C7E8-BD8C-F4AC22F0F4A1}"/>
+                <a16:creationId xmlns:a16="http://schemas.microsoft.com/office/drawing/2014/main" id="{696C1903-C6DE-CE3D-4027-986DAA2EE2FB}"/>
               </a:ext>
             </a:extLst>
           </p:cNvPr>
@@ -504,7 +504,7 @@
           <a:bodyPr/>
           <a:lstStyle/>
           <a:p>
-            <a:fld id="{976ABF4D-2797-490F-9ACB-9F992E7D8F78}" type="slidenum">
+            <a:fld id="{679D049F-EC02-4B51-A020-71D6B9AFC62C}" type="slidenum">
               <a:rPr lang="zh-CN" altLang="en-US" smtClean="0"/>
               <a:t>‹#›</a:t>
             </a:fld>
@@ -515,7 +515,7 @@
     </p:spTree>
     <p:extLst>
       <p:ext uri="{BB962C8B-B14F-4D97-AF65-F5344CB8AC3E}">
-        <p14:creationId xmlns:p14="http://schemas.microsoft.com/office/powerpoint/2010/main" val="2229964194"/>
+        <p14:creationId xmlns:p14="http://schemas.microsoft.com/office/powerpoint/2010/main" val="2506950071"/>
       </p:ext>
     </p:extLst>
   </p:cSld>
@@ -547,7 +547,7 @@
           <p:cNvPr id="2" name="竖排标题 1">
             <a:extLst>
               <a:ext uri="{FF2B5EF4-FFF2-40B4-BE49-F238E27FC236}">
-                <a16:creationId xmlns:a16="http://schemas.microsoft.com/office/drawing/2014/main" id="{280BFE99-886A-1D3A-2F86-94C9ACE9E587}"/>
+                <a16:creationId xmlns:a16="http://schemas.microsoft.com/office/drawing/2014/main" id="{9EC3B1DD-0384-6907-18E4-3A07391DE473}"/>
               </a:ext>
             </a:extLst>
           </p:cNvPr>
@@ -580,7 +580,7 @@
           <p:cNvPr id="3" name="竖排文字占位符 2">
             <a:extLst>
               <a:ext uri="{FF2B5EF4-FFF2-40B4-BE49-F238E27FC236}">
-                <a16:creationId xmlns:a16="http://schemas.microsoft.com/office/drawing/2014/main" id="{F60CA12B-9CDC-E109-AAD4-5F11F4128408}"/>
+                <a16:creationId xmlns:a16="http://schemas.microsoft.com/office/drawing/2014/main" id="{03E48202-3447-D937-A814-CCAF0C6FFA42}"/>
               </a:ext>
             </a:extLst>
           </p:cNvPr>
@@ -642,7 +642,7 @@
           <p:cNvPr id="4" name="日期占位符 3">
             <a:extLst>
               <a:ext uri="{FF2B5EF4-FFF2-40B4-BE49-F238E27FC236}">
-                <a16:creationId xmlns:a16="http://schemas.microsoft.com/office/drawing/2014/main" id="{43702689-7D43-77E6-7B5F-4FF22C71202F}"/>
+                <a16:creationId xmlns:a16="http://schemas.microsoft.com/office/drawing/2014/main" id="{007AFDAF-20F4-393B-F3EA-76EDA862033D}"/>
               </a:ext>
             </a:extLst>
           </p:cNvPr>
@@ -658,7 +658,7 @@
           <a:bodyPr/>
           <a:lstStyle/>
           <a:p>
-            <a:fld id="{2EBEDCAF-71C7-41B9-A913-19961FA98887}" type="datetimeFigureOut">
+            <a:fld id="{B57A9F4B-D8FB-4F2D-A390-8231481108DC}" type="datetimeFigureOut">
               <a:rPr lang="zh-CN" altLang="en-US" smtClean="0"/>
               <a:t>2024/3/10</a:t>
             </a:fld>
@@ -671,7 +671,7 @@
           <p:cNvPr id="5" name="页脚占位符 4">
             <a:extLst>
               <a:ext uri="{FF2B5EF4-FFF2-40B4-BE49-F238E27FC236}">
-                <a16:creationId xmlns:a16="http://schemas.microsoft.com/office/drawing/2014/main" id="{41612486-AD89-A685-9037-BB8B09820D01}"/>
+                <a16:creationId xmlns:a16="http://schemas.microsoft.com/office/drawing/2014/main" id="{68F70638-94DA-AFA6-9D22-8D8CD4CEE817}"/>
               </a:ext>
             </a:extLst>
           </p:cNvPr>
@@ -696,7 +696,7 @@
           <p:cNvPr id="6" name="灯片编号占位符 5">
             <a:extLst>
               <a:ext uri="{FF2B5EF4-FFF2-40B4-BE49-F238E27FC236}">
-                <a16:creationId xmlns:a16="http://schemas.microsoft.com/office/drawing/2014/main" id="{BCF6782B-B172-97F1-49CE-02CDDA9AA50C}"/>
+                <a16:creationId xmlns:a16="http://schemas.microsoft.com/office/drawing/2014/main" id="{B81AAB4C-B3CF-9B5D-0CDB-0DE8A2AA0DFD}"/>
               </a:ext>
             </a:extLst>
           </p:cNvPr>
@@ -712,7 +712,7 @@
           <a:bodyPr/>
           <a:lstStyle/>
           <a:p>
-            <a:fld id="{976ABF4D-2797-490F-9ACB-9F992E7D8F78}" type="slidenum">
+            <a:fld id="{679D049F-EC02-4B51-A020-71D6B9AFC62C}" type="slidenum">
               <a:rPr lang="zh-CN" altLang="en-US" smtClean="0"/>
               <a:t>‹#›</a:t>
             </a:fld>
@@ -723,7 +723,7 @@
     </p:spTree>
     <p:extLst>
       <p:ext uri="{BB962C8B-B14F-4D97-AF65-F5344CB8AC3E}">
-        <p14:creationId xmlns:p14="http://schemas.microsoft.com/office/powerpoint/2010/main" val="1821083195"/>
+        <p14:creationId xmlns:p14="http://schemas.microsoft.com/office/powerpoint/2010/main" val="3495446492"/>
       </p:ext>
     </p:extLst>
   </p:cSld>
@@ -755,7 +755,7 @@
           <p:cNvPr id="2" name="标题 1">
             <a:extLst>
               <a:ext uri="{FF2B5EF4-FFF2-40B4-BE49-F238E27FC236}">
-                <a16:creationId xmlns:a16="http://schemas.microsoft.com/office/drawing/2014/main" id="{FEC2E2BD-0516-CC71-2F5D-F617217A59AF}"/>
+                <a16:creationId xmlns:a16="http://schemas.microsoft.com/office/drawing/2014/main" id="{7E015D50-17DC-624F-8C57-722EC0324D08}"/>
               </a:ext>
             </a:extLst>
           </p:cNvPr>
@@ -783,7 +783,7 @@
           <p:cNvPr id="3" name="内容占位符 2">
             <a:extLst>
               <a:ext uri="{FF2B5EF4-FFF2-40B4-BE49-F238E27FC236}">
-                <a16:creationId xmlns:a16="http://schemas.microsoft.com/office/drawing/2014/main" id="{BB6E07EB-A6D3-FF72-12F2-743770B0F9EA}"/>
+                <a16:creationId xmlns:a16="http://schemas.microsoft.com/office/drawing/2014/main" id="{06BBF201-B5E4-4CB5-F875-8867E8FD69D9}"/>
               </a:ext>
             </a:extLst>
           </p:cNvPr>
@@ -840,7 +840,7 @@
           <p:cNvPr id="4" name="日期占位符 3">
             <a:extLst>
               <a:ext uri="{FF2B5EF4-FFF2-40B4-BE49-F238E27FC236}">
-                <a16:creationId xmlns:a16="http://schemas.microsoft.com/office/drawing/2014/main" id="{3AE6BF90-EB09-7D29-F94D-5F80763F006F}"/>
+                <a16:creationId xmlns:a16="http://schemas.microsoft.com/office/drawing/2014/main" id="{7C81CD3F-5C88-F7FB-4318-573005E7293D}"/>
               </a:ext>
             </a:extLst>
           </p:cNvPr>
@@ -856,7 +856,7 @@
           <a:bodyPr/>
           <a:lstStyle/>
           <a:p>
-            <a:fld id="{2EBEDCAF-71C7-41B9-A913-19961FA98887}" type="datetimeFigureOut">
+            <a:fld id="{B57A9F4B-D8FB-4F2D-A390-8231481108DC}" type="datetimeFigureOut">
               <a:rPr lang="zh-CN" altLang="en-US" smtClean="0"/>
               <a:t>2024/3/10</a:t>
             </a:fld>
@@ -869,7 +869,7 @@
           <p:cNvPr id="5" name="页脚占位符 4">
             <a:extLst>
               <a:ext uri="{FF2B5EF4-FFF2-40B4-BE49-F238E27FC236}">
-                <a16:creationId xmlns:a16="http://schemas.microsoft.com/office/drawing/2014/main" id="{9D04E0D2-6412-192E-B8AC-24EF0B6A26AC}"/>
+                <a16:creationId xmlns:a16="http://schemas.microsoft.com/office/drawing/2014/main" id="{16C42C20-46E0-3B27-BD9C-9BADF7D0C8FD}"/>
               </a:ext>
             </a:extLst>
           </p:cNvPr>
@@ -894,7 +894,7 @@
           <p:cNvPr id="6" name="灯片编号占位符 5">
             <a:extLst>
               <a:ext uri="{FF2B5EF4-FFF2-40B4-BE49-F238E27FC236}">
-                <a16:creationId xmlns:a16="http://schemas.microsoft.com/office/drawing/2014/main" id="{6EE16B82-9F9E-9270-8B72-EE5E2527AE5C}"/>
+                <a16:creationId xmlns:a16="http://schemas.microsoft.com/office/drawing/2014/main" id="{F16CB0DE-690A-3DA1-D385-E37AFA5AF206}"/>
               </a:ext>
             </a:extLst>
           </p:cNvPr>
@@ -910,7 +910,7 @@
           <a:bodyPr/>
           <a:lstStyle/>
           <a:p>
-            <a:fld id="{976ABF4D-2797-490F-9ACB-9F992E7D8F78}" type="slidenum">
+            <a:fld id="{679D049F-EC02-4B51-A020-71D6B9AFC62C}" type="slidenum">
               <a:rPr lang="zh-CN" altLang="en-US" smtClean="0"/>
               <a:t>‹#›</a:t>
             </a:fld>
@@ -921,7 +921,7 @@
     </p:spTree>
     <p:extLst>
       <p:ext uri="{BB962C8B-B14F-4D97-AF65-F5344CB8AC3E}">
-        <p14:creationId xmlns:p14="http://schemas.microsoft.com/office/powerpoint/2010/main" val="3744005185"/>
+        <p14:creationId xmlns:p14="http://schemas.microsoft.com/office/powerpoint/2010/main" val="2904171136"/>
       </p:ext>
     </p:extLst>
   </p:cSld>
@@ -953,7 +953,7 @@
           <p:cNvPr id="2" name="标题 1">
             <a:extLst>
               <a:ext uri="{FF2B5EF4-FFF2-40B4-BE49-F238E27FC236}">
-                <a16:creationId xmlns:a16="http://schemas.microsoft.com/office/drawing/2014/main" id="{DCCF4C4A-FFD0-9E10-B168-6AC66D3C6964}"/>
+                <a16:creationId xmlns:a16="http://schemas.microsoft.com/office/drawing/2014/main" id="{4548C155-27E0-0F26-9C77-DA35F3291669}"/>
               </a:ext>
             </a:extLst>
           </p:cNvPr>
@@ -990,7 +990,7 @@
           <p:cNvPr id="3" name="文本占位符 2">
             <a:extLst>
               <a:ext uri="{FF2B5EF4-FFF2-40B4-BE49-F238E27FC236}">
-                <a16:creationId xmlns:a16="http://schemas.microsoft.com/office/drawing/2014/main" id="{3236DF77-A52E-2553-BC67-EE6E52B3C186}"/>
+                <a16:creationId xmlns:a16="http://schemas.microsoft.com/office/drawing/2014/main" id="{9C8AC85E-6518-3381-D321-5CEC4E7F730D}"/>
               </a:ext>
             </a:extLst>
           </p:cNvPr>
@@ -1115,7 +1115,7 @@
           <p:cNvPr id="4" name="日期占位符 3">
             <a:extLst>
               <a:ext uri="{FF2B5EF4-FFF2-40B4-BE49-F238E27FC236}">
-                <a16:creationId xmlns:a16="http://schemas.microsoft.com/office/drawing/2014/main" id="{1FF8A404-288F-6393-AE3D-A1FF46E8501F}"/>
+                <a16:creationId xmlns:a16="http://schemas.microsoft.com/office/drawing/2014/main" id="{CC4DB7AB-3177-D11D-1D2D-06EF630584AA}"/>
               </a:ext>
             </a:extLst>
           </p:cNvPr>
@@ -1131,7 +1131,7 @@
           <a:bodyPr/>
           <a:lstStyle/>
           <a:p>
-            <a:fld id="{2EBEDCAF-71C7-41B9-A913-19961FA98887}" type="datetimeFigureOut">
+            <a:fld id="{B57A9F4B-D8FB-4F2D-A390-8231481108DC}" type="datetimeFigureOut">
               <a:rPr lang="zh-CN" altLang="en-US" smtClean="0"/>
               <a:t>2024/3/10</a:t>
             </a:fld>
@@ -1144,7 +1144,7 @@
           <p:cNvPr id="5" name="页脚占位符 4">
             <a:extLst>
               <a:ext uri="{FF2B5EF4-FFF2-40B4-BE49-F238E27FC236}">
-                <a16:creationId xmlns:a16="http://schemas.microsoft.com/office/drawing/2014/main" id="{0BAAB6AB-B738-DAC6-6663-172E2F303361}"/>
+                <a16:creationId xmlns:a16="http://schemas.microsoft.com/office/drawing/2014/main" id="{D1EB31BA-6AC1-80B4-E13F-C92136299297}"/>
               </a:ext>
             </a:extLst>
           </p:cNvPr>
@@ -1169,7 +1169,7 @@
           <p:cNvPr id="6" name="灯片编号占位符 5">
             <a:extLst>
               <a:ext uri="{FF2B5EF4-FFF2-40B4-BE49-F238E27FC236}">
-                <a16:creationId xmlns:a16="http://schemas.microsoft.com/office/drawing/2014/main" id="{F637656C-AA9A-7902-9646-7934DFBCD0D8}"/>
+                <a16:creationId xmlns:a16="http://schemas.microsoft.com/office/drawing/2014/main" id="{AD33634E-FD0B-AA69-B94A-C5B84EE60C80}"/>
               </a:ext>
             </a:extLst>
           </p:cNvPr>
@@ -1185,7 +1185,7 @@
           <a:bodyPr/>
           <a:lstStyle/>
           <a:p>
-            <a:fld id="{976ABF4D-2797-490F-9ACB-9F992E7D8F78}" type="slidenum">
+            <a:fld id="{679D049F-EC02-4B51-A020-71D6B9AFC62C}" type="slidenum">
               <a:rPr lang="zh-CN" altLang="en-US" smtClean="0"/>
               <a:t>‹#›</a:t>
             </a:fld>
@@ -1196,7 +1196,7 @@
     </p:spTree>
     <p:extLst>
       <p:ext uri="{BB962C8B-B14F-4D97-AF65-F5344CB8AC3E}">
-        <p14:creationId xmlns:p14="http://schemas.microsoft.com/office/powerpoint/2010/main" val="2439138259"/>
+        <p14:creationId xmlns:p14="http://schemas.microsoft.com/office/powerpoint/2010/main" val="1167541519"/>
       </p:ext>
     </p:extLst>
   </p:cSld>
@@ -1228,7 +1228,7 @@
           <p:cNvPr id="2" name="标题 1">
             <a:extLst>
               <a:ext uri="{FF2B5EF4-FFF2-40B4-BE49-F238E27FC236}">
-                <a16:creationId xmlns:a16="http://schemas.microsoft.com/office/drawing/2014/main" id="{036D8FEA-C132-D7B6-03D9-EEB342DC10DD}"/>
+                <a16:creationId xmlns:a16="http://schemas.microsoft.com/office/drawing/2014/main" id="{9CE4339D-104B-B0B1-C574-5BC3BB652928}"/>
               </a:ext>
             </a:extLst>
           </p:cNvPr>
@@ -1256,7 +1256,7 @@
           <p:cNvPr id="3" name="内容占位符 2">
             <a:extLst>
               <a:ext uri="{FF2B5EF4-FFF2-40B4-BE49-F238E27FC236}">
-                <a16:creationId xmlns:a16="http://schemas.microsoft.com/office/drawing/2014/main" id="{03412644-5B0C-8D86-17EF-E955294B295F}"/>
+                <a16:creationId xmlns:a16="http://schemas.microsoft.com/office/drawing/2014/main" id="{F73BC2B6-EE00-359C-5AC5-11A04CE736C7}"/>
               </a:ext>
             </a:extLst>
           </p:cNvPr>
@@ -1318,7 +1318,7 @@
           <p:cNvPr id="4" name="内容占位符 3">
             <a:extLst>
               <a:ext uri="{FF2B5EF4-FFF2-40B4-BE49-F238E27FC236}">
-                <a16:creationId xmlns:a16="http://schemas.microsoft.com/office/drawing/2014/main" id="{1E68A27D-37F4-0D5C-1D20-412D2F6BC704}"/>
+                <a16:creationId xmlns:a16="http://schemas.microsoft.com/office/drawing/2014/main" id="{02D2E2F8-B34B-2DAB-0A9E-420A3DAC6CD4}"/>
               </a:ext>
             </a:extLst>
           </p:cNvPr>
@@ -1380,7 +1380,7 @@
           <p:cNvPr id="5" name="日期占位符 4">
             <a:extLst>
               <a:ext uri="{FF2B5EF4-FFF2-40B4-BE49-F238E27FC236}">
-                <a16:creationId xmlns:a16="http://schemas.microsoft.com/office/drawing/2014/main" id="{7178B521-FCB9-D350-35E0-1ECFE5FFBD0F}"/>
+                <a16:creationId xmlns:a16="http://schemas.microsoft.com/office/drawing/2014/main" id="{97CD4428-F96A-0C33-CA94-9B9007827820}"/>
               </a:ext>
             </a:extLst>
           </p:cNvPr>
@@ -1396,7 +1396,7 @@
           <a:bodyPr/>
           <a:lstStyle/>
           <a:p>
-            <a:fld id="{2EBEDCAF-71C7-41B9-A913-19961FA98887}" type="datetimeFigureOut">
+            <a:fld id="{B57A9F4B-D8FB-4F2D-A390-8231481108DC}" type="datetimeFigureOut">
               <a:rPr lang="zh-CN" altLang="en-US" smtClean="0"/>
               <a:t>2024/3/10</a:t>
             </a:fld>
@@ -1409,7 +1409,7 @@
           <p:cNvPr id="6" name="页脚占位符 5">
             <a:extLst>
               <a:ext uri="{FF2B5EF4-FFF2-40B4-BE49-F238E27FC236}">
-                <a16:creationId xmlns:a16="http://schemas.microsoft.com/office/drawing/2014/main" id="{82656823-87D3-43D5-1D87-5954662951C1}"/>
+                <a16:creationId xmlns:a16="http://schemas.microsoft.com/office/drawing/2014/main" id="{D567D667-BCCD-81D9-D998-356E7AF95259}"/>
               </a:ext>
             </a:extLst>
           </p:cNvPr>
@@ -1434,7 +1434,7 @@
           <p:cNvPr id="7" name="灯片编号占位符 6">
             <a:extLst>
               <a:ext uri="{FF2B5EF4-FFF2-40B4-BE49-F238E27FC236}">
-                <a16:creationId xmlns:a16="http://schemas.microsoft.com/office/drawing/2014/main" id="{E83E0C94-B4F7-2DE2-CD4E-60D5A57DAC18}"/>
+                <a16:creationId xmlns:a16="http://schemas.microsoft.com/office/drawing/2014/main" id="{D867AA70-7286-7393-FA4B-FAB17FF53E88}"/>
               </a:ext>
             </a:extLst>
           </p:cNvPr>
@@ -1450,7 +1450,7 @@
           <a:bodyPr/>
           <a:lstStyle/>
           <a:p>
-            <a:fld id="{976ABF4D-2797-490F-9ACB-9F992E7D8F78}" type="slidenum">
+            <a:fld id="{679D049F-EC02-4B51-A020-71D6B9AFC62C}" type="slidenum">
               <a:rPr lang="zh-CN" altLang="en-US" smtClean="0"/>
               <a:t>‹#›</a:t>
             </a:fld>
@@ -1461,7 +1461,7 @@
     </p:spTree>
     <p:extLst>
       <p:ext uri="{BB962C8B-B14F-4D97-AF65-F5344CB8AC3E}">
-        <p14:creationId xmlns:p14="http://schemas.microsoft.com/office/powerpoint/2010/main" val="717194959"/>
+        <p14:creationId xmlns:p14="http://schemas.microsoft.com/office/powerpoint/2010/main" val="3658967713"/>
       </p:ext>
     </p:extLst>
   </p:cSld>
@@ -1493,7 +1493,7 @@
           <p:cNvPr id="2" name="标题 1">
             <a:extLst>
               <a:ext uri="{FF2B5EF4-FFF2-40B4-BE49-F238E27FC236}">
-                <a16:creationId xmlns:a16="http://schemas.microsoft.com/office/drawing/2014/main" id="{1D67EC9B-F649-F44C-5EB5-4077E9ACB39D}"/>
+                <a16:creationId xmlns:a16="http://schemas.microsoft.com/office/drawing/2014/main" id="{12AEA23E-8BD6-81EF-9A56-1DCF3F138308}"/>
               </a:ext>
             </a:extLst>
           </p:cNvPr>
@@ -1526,7 +1526,7 @@
           <p:cNvPr id="3" name="文本占位符 2">
             <a:extLst>
               <a:ext uri="{FF2B5EF4-FFF2-40B4-BE49-F238E27FC236}">
-                <a16:creationId xmlns:a16="http://schemas.microsoft.com/office/drawing/2014/main" id="{A78A8A45-E835-A763-4906-01F961DD9BEC}"/>
+                <a16:creationId xmlns:a16="http://schemas.microsoft.com/office/drawing/2014/main" id="{6015C780-FC0A-FA7B-751D-585FC9C80FAF}"/>
               </a:ext>
             </a:extLst>
           </p:cNvPr>
@@ -1597,7 +1597,7 @@
           <p:cNvPr id="4" name="内容占位符 3">
             <a:extLst>
               <a:ext uri="{FF2B5EF4-FFF2-40B4-BE49-F238E27FC236}">
-                <a16:creationId xmlns:a16="http://schemas.microsoft.com/office/drawing/2014/main" id="{27ED5CA9-57F4-F27C-16FC-6E2C22133E6C}"/>
+                <a16:creationId xmlns:a16="http://schemas.microsoft.com/office/drawing/2014/main" id="{32034F91-30B7-98EB-2244-F2429F49B2D5}"/>
               </a:ext>
             </a:extLst>
           </p:cNvPr>
@@ -1659,7 +1659,7 @@
           <p:cNvPr id="5" name="文本占位符 4">
             <a:extLst>
               <a:ext uri="{FF2B5EF4-FFF2-40B4-BE49-F238E27FC236}">
-                <a16:creationId xmlns:a16="http://schemas.microsoft.com/office/drawing/2014/main" id="{E71EB0FF-145C-6A38-9747-031BA0349FF0}"/>
+                <a16:creationId xmlns:a16="http://schemas.microsoft.com/office/drawing/2014/main" id="{61445880-E4A2-D4C9-2E92-FCF4E4477D78}"/>
               </a:ext>
             </a:extLst>
           </p:cNvPr>
@@ -1730,7 +1730,7 @@
           <p:cNvPr id="6" name="内容占位符 5">
             <a:extLst>
               <a:ext uri="{FF2B5EF4-FFF2-40B4-BE49-F238E27FC236}">
-                <a16:creationId xmlns:a16="http://schemas.microsoft.com/office/drawing/2014/main" id="{86B00584-DF73-DB81-D2DF-83A5B8F7A210}"/>
+                <a16:creationId xmlns:a16="http://schemas.microsoft.com/office/drawing/2014/main" id="{F477801D-06E6-E427-78CD-4B224C35A87A}"/>
               </a:ext>
             </a:extLst>
           </p:cNvPr>
@@ -1792,7 +1792,7 @@
           <p:cNvPr id="7" name="日期占位符 6">
             <a:extLst>
               <a:ext uri="{FF2B5EF4-FFF2-40B4-BE49-F238E27FC236}">
-                <a16:creationId xmlns:a16="http://schemas.microsoft.com/office/drawing/2014/main" id="{4E0364D8-4A8E-87B2-68BA-9BBDB95835D0}"/>
+                <a16:creationId xmlns:a16="http://schemas.microsoft.com/office/drawing/2014/main" id="{A2E2B556-5520-76CA-D976-D7C31DD5B969}"/>
               </a:ext>
             </a:extLst>
           </p:cNvPr>
@@ -1808,7 +1808,7 @@
           <a:bodyPr/>
           <a:lstStyle/>
           <a:p>
-            <a:fld id="{2EBEDCAF-71C7-41B9-A913-19961FA98887}" type="datetimeFigureOut">
+            <a:fld id="{B57A9F4B-D8FB-4F2D-A390-8231481108DC}" type="datetimeFigureOut">
               <a:rPr lang="zh-CN" altLang="en-US" smtClean="0"/>
               <a:t>2024/3/10</a:t>
             </a:fld>
@@ -1821,7 +1821,7 @@
           <p:cNvPr id="8" name="页脚占位符 7">
             <a:extLst>
               <a:ext uri="{FF2B5EF4-FFF2-40B4-BE49-F238E27FC236}">
-                <a16:creationId xmlns:a16="http://schemas.microsoft.com/office/drawing/2014/main" id="{2C74F71C-F32D-BD3D-AA73-C6B0640CA55B}"/>
+                <a16:creationId xmlns:a16="http://schemas.microsoft.com/office/drawing/2014/main" id="{88643F99-3FA1-3EDB-A6E3-F4604E6A1286}"/>
               </a:ext>
             </a:extLst>
           </p:cNvPr>
@@ -1846,7 +1846,7 @@
           <p:cNvPr id="9" name="灯片编号占位符 8">
             <a:extLst>
               <a:ext uri="{FF2B5EF4-FFF2-40B4-BE49-F238E27FC236}">
-                <a16:creationId xmlns:a16="http://schemas.microsoft.com/office/drawing/2014/main" id="{14D58474-E35E-3674-BB5B-0F68A7C5AB3D}"/>
+                <a16:creationId xmlns:a16="http://schemas.microsoft.com/office/drawing/2014/main" id="{780259F6-73B5-5D72-6D22-7BFA0EE6E283}"/>
               </a:ext>
             </a:extLst>
           </p:cNvPr>
@@ -1862,7 +1862,7 @@
           <a:bodyPr/>
           <a:lstStyle/>
           <a:p>
-            <a:fld id="{976ABF4D-2797-490F-9ACB-9F992E7D8F78}" type="slidenum">
+            <a:fld id="{679D049F-EC02-4B51-A020-71D6B9AFC62C}" type="slidenum">
               <a:rPr lang="zh-CN" altLang="en-US" smtClean="0"/>
               <a:t>‹#›</a:t>
             </a:fld>
@@ -1873,7 +1873,7 @@
     </p:spTree>
     <p:extLst>
       <p:ext uri="{BB962C8B-B14F-4D97-AF65-F5344CB8AC3E}">
-        <p14:creationId xmlns:p14="http://schemas.microsoft.com/office/powerpoint/2010/main" val="3640051676"/>
+        <p14:creationId xmlns:p14="http://schemas.microsoft.com/office/powerpoint/2010/main" val="2687648663"/>
       </p:ext>
     </p:extLst>
   </p:cSld>
@@ -1905,7 +1905,7 @@
           <p:cNvPr id="2" name="标题 1">
             <a:extLst>
               <a:ext uri="{FF2B5EF4-FFF2-40B4-BE49-F238E27FC236}">
-                <a16:creationId xmlns:a16="http://schemas.microsoft.com/office/drawing/2014/main" id="{CD911C36-7DC9-B075-BF4B-EE84F80639F4}"/>
+                <a16:creationId xmlns:a16="http://schemas.microsoft.com/office/drawing/2014/main" id="{84BAF883-4B4B-4582-5271-A1884D0E0C50}"/>
               </a:ext>
             </a:extLst>
           </p:cNvPr>
@@ -1933,7 +1933,7 @@
           <p:cNvPr id="3" name="日期占位符 2">
             <a:extLst>
               <a:ext uri="{FF2B5EF4-FFF2-40B4-BE49-F238E27FC236}">
-                <a16:creationId xmlns:a16="http://schemas.microsoft.com/office/drawing/2014/main" id="{F31CFB89-405A-E6D0-7F71-1317105684D6}"/>
+                <a16:creationId xmlns:a16="http://schemas.microsoft.com/office/drawing/2014/main" id="{B1A15E5F-59AF-33EF-CFEA-2320967DF561}"/>
               </a:ext>
             </a:extLst>
           </p:cNvPr>
@@ -1949,7 +1949,7 @@
           <a:bodyPr/>
           <a:lstStyle/>
           <a:p>
-            <a:fld id="{2EBEDCAF-71C7-41B9-A913-19961FA98887}" type="datetimeFigureOut">
+            <a:fld id="{B57A9F4B-D8FB-4F2D-A390-8231481108DC}" type="datetimeFigureOut">
               <a:rPr lang="zh-CN" altLang="en-US" smtClean="0"/>
               <a:t>2024/3/10</a:t>
             </a:fld>
@@ -1962,7 +1962,7 @@
           <p:cNvPr id="4" name="页脚占位符 3">
             <a:extLst>
               <a:ext uri="{FF2B5EF4-FFF2-40B4-BE49-F238E27FC236}">
-                <a16:creationId xmlns:a16="http://schemas.microsoft.com/office/drawing/2014/main" id="{445EB3CD-DD31-B9CE-945E-B5C36EE86E23}"/>
+                <a16:creationId xmlns:a16="http://schemas.microsoft.com/office/drawing/2014/main" id="{0EECC8D7-ADF2-0F69-5855-6998B60C288B}"/>
               </a:ext>
             </a:extLst>
           </p:cNvPr>
@@ -1987,7 +1987,7 @@
           <p:cNvPr id="5" name="灯片编号占位符 4">
             <a:extLst>
               <a:ext uri="{FF2B5EF4-FFF2-40B4-BE49-F238E27FC236}">
-                <a16:creationId xmlns:a16="http://schemas.microsoft.com/office/drawing/2014/main" id="{44B55DE6-006F-B7AD-A3A0-451E3E63CAD1}"/>
+                <a16:creationId xmlns:a16="http://schemas.microsoft.com/office/drawing/2014/main" id="{FFBA2536-BBFE-853E-9BA8-3E5C4D96E6E8}"/>
               </a:ext>
             </a:extLst>
           </p:cNvPr>
@@ -2003,7 +2003,7 @@
           <a:bodyPr/>
           <a:lstStyle/>
           <a:p>
-            <a:fld id="{976ABF4D-2797-490F-9ACB-9F992E7D8F78}" type="slidenum">
+            <a:fld id="{679D049F-EC02-4B51-A020-71D6B9AFC62C}" type="slidenum">
               <a:rPr lang="zh-CN" altLang="en-US" smtClean="0"/>
               <a:t>‹#›</a:t>
             </a:fld>
@@ -2014,7 +2014,7 @@
     </p:spTree>
     <p:extLst>
       <p:ext uri="{BB962C8B-B14F-4D97-AF65-F5344CB8AC3E}">
-        <p14:creationId xmlns:p14="http://schemas.microsoft.com/office/powerpoint/2010/main" val="796873204"/>
+        <p14:creationId xmlns:p14="http://schemas.microsoft.com/office/powerpoint/2010/main" val="3269531156"/>
       </p:ext>
     </p:extLst>
   </p:cSld>
@@ -2046,7 +2046,7 @@
           <p:cNvPr id="2" name="日期占位符 1">
             <a:extLst>
               <a:ext uri="{FF2B5EF4-FFF2-40B4-BE49-F238E27FC236}">
-                <a16:creationId xmlns:a16="http://schemas.microsoft.com/office/drawing/2014/main" id="{86FFC81E-4459-D693-C7D2-571237A8E20E}"/>
+                <a16:creationId xmlns:a16="http://schemas.microsoft.com/office/drawing/2014/main" id="{D1F24E24-3C4C-CD26-8F47-1A122F17F608}"/>
               </a:ext>
             </a:extLst>
           </p:cNvPr>
@@ -2062,7 +2062,7 @@
           <a:bodyPr/>
           <a:lstStyle/>
           <a:p>
-            <a:fld id="{2EBEDCAF-71C7-41B9-A913-19961FA98887}" type="datetimeFigureOut">
+            <a:fld id="{B57A9F4B-D8FB-4F2D-A390-8231481108DC}" type="datetimeFigureOut">
               <a:rPr lang="zh-CN" altLang="en-US" smtClean="0"/>
               <a:t>2024/3/10</a:t>
             </a:fld>
@@ -2075,7 +2075,7 @@
           <p:cNvPr id="3" name="页脚占位符 2">
             <a:extLst>
               <a:ext uri="{FF2B5EF4-FFF2-40B4-BE49-F238E27FC236}">
-                <a16:creationId xmlns:a16="http://schemas.microsoft.com/office/drawing/2014/main" id="{21AB5D8F-CAD1-0C46-691E-35D6EA59D8A2}"/>
+                <a16:creationId xmlns:a16="http://schemas.microsoft.com/office/drawing/2014/main" id="{70EBB5AF-39E0-EF28-DEED-17619593F511}"/>
               </a:ext>
             </a:extLst>
           </p:cNvPr>
@@ -2100,7 +2100,7 @@
           <p:cNvPr id="4" name="灯片编号占位符 3">
             <a:extLst>
               <a:ext uri="{FF2B5EF4-FFF2-40B4-BE49-F238E27FC236}">
-                <a16:creationId xmlns:a16="http://schemas.microsoft.com/office/drawing/2014/main" id="{03226FB5-B66B-6AA2-8332-FA3B3BC5E0EB}"/>
+                <a16:creationId xmlns:a16="http://schemas.microsoft.com/office/drawing/2014/main" id="{0A5F0937-234A-AADE-AC86-F8798EB3E152}"/>
               </a:ext>
             </a:extLst>
           </p:cNvPr>
@@ -2116,7 +2116,7 @@
           <a:bodyPr/>
           <a:lstStyle/>
           <a:p>
-            <a:fld id="{976ABF4D-2797-490F-9ACB-9F992E7D8F78}" type="slidenum">
+            <a:fld id="{679D049F-EC02-4B51-A020-71D6B9AFC62C}" type="slidenum">
               <a:rPr lang="zh-CN" altLang="en-US" smtClean="0"/>
               <a:t>‹#›</a:t>
             </a:fld>
@@ -2127,7 +2127,7 @@
     </p:spTree>
     <p:extLst>
       <p:ext uri="{BB962C8B-B14F-4D97-AF65-F5344CB8AC3E}">
-        <p14:creationId xmlns:p14="http://schemas.microsoft.com/office/powerpoint/2010/main" val="3505034575"/>
+        <p14:creationId xmlns:p14="http://schemas.microsoft.com/office/powerpoint/2010/main" val="4079584695"/>
       </p:ext>
     </p:extLst>
   </p:cSld>
@@ -2159,7 +2159,7 @@
           <p:cNvPr id="2" name="标题 1">
             <a:extLst>
               <a:ext uri="{FF2B5EF4-FFF2-40B4-BE49-F238E27FC236}">
-                <a16:creationId xmlns:a16="http://schemas.microsoft.com/office/drawing/2014/main" id="{84B4119C-D01D-ADB5-16B5-687502775ABF}"/>
+                <a16:creationId xmlns:a16="http://schemas.microsoft.com/office/drawing/2014/main" id="{54B0A926-F6D5-52AD-8BB9-3FC59D5CC1EB}"/>
               </a:ext>
             </a:extLst>
           </p:cNvPr>
@@ -2196,7 +2196,7 @@
           <p:cNvPr id="3" name="内容占位符 2">
             <a:extLst>
               <a:ext uri="{FF2B5EF4-FFF2-40B4-BE49-F238E27FC236}">
-                <a16:creationId xmlns:a16="http://schemas.microsoft.com/office/drawing/2014/main" id="{E039C56A-CF6A-2C5B-A773-00B7E9028F20}"/>
+                <a16:creationId xmlns:a16="http://schemas.microsoft.com/office/drawing/2014/main" id="{249BA008-5085-6E19-A8F8-61F1381F0252}"/>
               </a:ext>
             </a:extLst>
           </p:cNvPr>
@@ -2286,7 +2286,7 @@
           <p:cNvPr id="4" name="文本占位符 3">
             <a:extLst>
               <a:ext uri="{FF2B5EF4-FFF2-40B4-BE49-F238E27FC236}">
-                <a16:creationId xmlns:a16="http://schemas.microsoft.com/office/drawing/2014/main" id="{1B3448FB-57D0-996A-1ECB-DDC053AEE161}"/>
+                <a16:creationId xmlns:a16="http://schemas.microsoft.com/office/drawing/2014/main" id="{E963D5F4-92F9-CF16-48E8-7834FC367D9F}"/>
               </a:ext>
             </a:extLst>
           </p:cNvPr>
@@ -2357,7 +2357,7 @@
           <p:cNvPr id="5" name="日期占位符 4">
             <a:extLst>
               <a:ext uri="{FF2B5EF4-FFF2-40B4-BE49-F238E27FC236}">
-                <a16:creationId xmlns:a16="http://schemas.microsoft.com/office/drawing/2014/main" id="{5780F760-3C57-743C-306F-D915FDCD7888}"/>
+                <a16:creationId xmlns:a16="http://schemas.microsoft.com/office/drawing/2014/main" id="{7A05896A-A99F-FDC0-017C-F7DFCE7AE106}"/>
               </a:ext>
             </a:extLst>
           </p:cNvPr>
@@ -2373,7 +2373,7 @@
           <a:bodyPr/>
           <a:lstStyle/>
           <a:p>
-            <a:fld id="{2EBEDCAF-71C7-41B9-A913-19961FA98887}" type="datetimeFigureOut">
+            <a:fld id="{B57A9F4B-D8FB-4F2D-A390-8231481108DC}" type="datetimeFigureOut">
               <a:rPr lang="zh-CN" altLang="en-US" smtClean="0"/>
               <a:t>2024/3/10</a:t>
             </a:fld>
@@ -2386,7 +2386,7 @@
           <p:cNvPr id="6" name="页脚占位符 5">
             <a:extLst>
               <a:ext uri="{FF2B5EF4-FFF2-40B4-BE49-F238E27FC236}">
-                <a16:creationId xmlns:a16="http://schemas.microsoft.com/office/drawing/2014/main" id="{14978CD0-0032-1FE8-52FD-19762FCE2D64}"/>
+                <a16:creationId xmlns:a16="http://schemas.microsoft.com/office/drawing/2014/main" id="{024472C5-4327-078E-06C4-88595AC51990}"/>
               </a:ext>
             </a:extLst>
           </p:cNvPr>
@@ -2411,7 +2411,7 @@
           <p:cNvPr id="7" name="灯片编号占位符 6">
             <a:extLst>
               <a:ext uri="{FF2B5EF4-FFF2-40B4-BE49-F238E27FC236}">
-                <a16:creationId xmlns:a16="http://schemas.microsoft.com/office/drawing/2014/main" id="{499804BB-227D-C3EF-EBA2-64A06D61181C}"/>
+                <a16:creationId xmlns:a16="http://schemas.microsoft.com/office/drawing/2014/main" id="{8F5636B8-0D55-8F9B-6542-59C3D8A65AF1}"/>
               </a:ext>
             </a:extLst>
           </p:cNvPr>
@@ -2427,7 +2427,7 @@
           <a:bodyPr/>
           <a:lstStyle/>
           <a:p>
-            <a:fld id="{976ABF4D-2797-490F-9ACB-9F992E7D8F78}" type="slidenum">
+            <a:fld id="{679D049F-EC02-4B51-A020-71D6B9AFC62C}" type="slidenum">
               <a:rPr lang="zh-CN" altLang="en-US" smtClean="0"/>
               <a:t>‹#›</a:t>
             </a:fld>
@@ -2438,7 +2438,7 @@
     </p:spTree>
     <p:extLst>
       <p:ext uri="{BB962C8B-B14F-4D97-AF65-F5344CB8AC3E}">
-        <p14:creationId xmlns:p14="http://schemas.microsoft.com/office/powerpoint/2010/main" val="4183495844"/>
+        <p14:creationId xmlns:p14="http://schemas.microsoft.com/office/powerpoint/2010/main" val="3051820731"/>
       </p:ext>
     </p:extLst>
   </p:cSld>
@@ -2470,7 +2470,7 @@
           <p:cNvPr id="2" name="标题 1">
             <a:extLst>
               <a:ext uri="{FF2B5EF4-FFF2-40B4-BE49-F238E27FC236}">
-                <a16:creationId xmlns:a16="http://schemas.microsoft.com/office/drawing/2014/main" id="{E91F5629-E65A-B825-8949-9333C941B7FE}"/>
+                <a16:creationId xmlns:a16="http://schemas.microsoft.com/office/drawing/2014/main" id="{8FC3C4F3-B1A4-7F27-AFF1-970F928ECFF7}"/>
               </a:ext>
             </a:extLst>
           </p:cNvPr>
@@ -2507,7 +2507,7 @@
           <p:cNvPr id="3" name="图片占位符 2">
             <a:extLst>
               <a:ext uri="{FF2B5EF4-FFF2-40B4-BE49-F238E27FC236}">
-                <a16:creationId xmlns:a16="http://schemas.microsoft.com/office/drawing/2014/main" id="{196A62A6-DF4E-4D77-302B-6ECDED3A50EE}"/>
+                <a16:creationId xmlns:a16="http://schemas.microsoft.com/office/drawing/2014/main" id="{C446C95D-52DA-EF5C-68B8-7C5AAF0BE533}"/>
               </a:ext>
             </a:extLst>
           </p:cNvPr>
@@ -2574,7 +2574,7 @@
           <p:cNvPr id="4" name="文本占位符 3">
             <a:extLst>
               <a:ext uri="{FF2B5EF4-FFF2-40B4-BE49-F238E27FC236}">
-                <a16:creationId xmlns:a16="http://schemas.microsoft.com/office/drawing/2014/main" id="{037FE405-0972-0BEE-9680-6009348B8F8A}"/>
+                <a16:creationId xmlns:a16="http://schemas.microsoft.com/office/drawing/2014/main" id="{D6314BAB-ECCB-C4A5-D81F-D37AB2DDA87F}"/>
               </a:ext>
             </a:extLst>
           </p:cNvPr>
@@ -2645,7 +2645,7 @@
           <p:cNvPr id="5" name="日期占位符 4">
             <a:extLst>
               <a:ext uri="{FF2B5EF4-FFF2-40B4-BE49-F238E27FC236}">
-                <a16:creationId xmlns:a16="http://schemas.microsoft.com/office/drawing/2014/main" id="{F54E3F4A-D353-04E0-D11F-B2836EC8EF19}"/>
+                <a16:creationId xmlns:a16="http://schemas.microsoft.com/office/drawing/2014/main" id="{5462BCC4-B4B9-3D7C-4064-6FF16C4B486E}"/>
               </a:ext>
             </a:extLst>
           </p:cNvPr>
@@ -2661,7 +2661,7 @@
           <a:bodyPr/>
           <a:lstStyle/>
           <a:p>
-            <a:fld id="{2EBEDCAF-71C7-41B9-A913-19961FA98887}" type="datetimeFigureOut">
+            <a:fld id="{B57A9F4B-D8FB-4F2D-A390-8231481108DC}" type="datetimeFigureOut">
               <a:rPr lang="zh-CN" altLang="en-US" smtClean="0"/>
               <a:t>2024/3/10</a:t>
             </a:fld>
@@ -2674,7 +2674,7 @@
           <p:cNvPr id="6" name="页脚占位符 5">
             <a:extLst>
               <a:ext uri="{FF2B5EF4-FFF2-40B4-BE49-F238E27FC236}">
-                <a16:creationId xmlns:a16="http://schemas.microsoft.com/office/drawing/2014/main" id="{F537A010-1906-6062-E28E-A061D1F1162C}"/>
+                <a16:creationId xmlns:a16="http://schemas.microsoft.com/office/drawing/2014/main" id="{4279149E-D676-0839-4DEE-683CE9068B9F}"/>
               </a:ext>
             </a:extLst>
           </p:cNvPr>
@@ -2699,7 +2699,7 @@
           <p:cNvPr id="7" name="灯片编号占位符 6">
             <a:extLst>
               <a:ext uri="{FF2B5EF4-FFF2-40B4-BE49-F238E27FC236}">
-                <a16:creationId xmlns:a16="http://schemas.microsoft.com/office/drawing/2014/main" id="{B4A37671-FADF-AEFC-800E-5DEA225122B5}"/>
+                <a16:creationId xmlns:a16="http://schemas.microsoft.com/office/drawing/2014/main" id="{FD2A697D-2C99-810C-D20D-6AAA10A5931F}"/>
               </a:ext>
             </a:extLst>
           </p:cNvPr>
@@ -2715,7 +2715,7 @@
           <a:bodyPr/>
           <a:lstStyle/>
           <a:p>
-            <a:fld id="{976ABF4D-2797-490F-9ACB-9F992E7D8F78}" type="slidenum">
+            <a:fld id="{679D049F-EC02-4B51-A020-71D6B9AFC62C}" type="slidenum">
               <a:rPr lang="zh-CN" altLang="en-US" smtClean="0"/>
               <a:t>‹#›</a:t>
             </a:fld>
@@ -2726,7 +2726,7 @@
     </p:spTree>
     <p:extLst>
       <p:ext uri="{BB962C8B-B14F-4D97-AF65-F5344CB8AC3E}">
-        <p14:creationId xmlns:p14="http://schemas.microsoft.com/office/powerpoint/2010/main" val="2065655754"/>
+        <p14:creationId xmlns:p14="http://schemas.microsoft.com/office/powerpoint/2010/main" val="3456429411"/>
       </p:ext>
     </p:extLst>
   </p:cSld>
@@ -2763,7 +2763,7 @@
           <p:cNvPr id="2" name="标题占位符 1">
             <a:extLst>
               <a:ext uri="{FF2B5EF4-FFF2-40B4-BE49-F238E27FC236}">
-                <a16:creationId xmlns:a16="http://schemas.microsoft.com/office/drawing/2014/main" id="{6ACCEA73-7971-7B63-0FDB-D4FAB7037966}"/>
+                <a16:creationId xmlns:a16="http://schemas.microsoft.com/office/drawing/2014/main" id="{914BB092-B3A2-EA30-F3CD-0C4F04C1E522}"/>
               </a:ext>
             </a:extLst>
           </p:cNvPr>
@@ -2801,7 +2801,7 @@
           <p:cNvPr id="3" name="文本占位符 2">
             <a:extLst>
               <a:ext uri="{FF2B5EF4-FFF2-40B4-BE49-F238E27FC236}">
-                <a16:creationId xmlns:a16="http://schemas.microsoft.com/office/drawing/2014/main" id="{B6A8218C-8663-C413-A449-E0EE5661E7FB}"/>
+                <a16:creationId xmlns:a16="http://schemas.microsoft.com/office/drawing/2014/main" id="{8F3853A9-3AB2-DFD4-AEBB-BAA02EA6C582}"/>
               </a:ext>
             </a:extLst>
           </p:cNvPr>
@@ -2868,7 +2868,7 @@
           <p:cNvPr id="4" name="日期占位符 3">
             <a:extLst>
               <a:ext uri="{FF2B5EF4-FFF2-40B4-BE49-F238E27FC236}">
-                <a16:creationId xmlns:a16="http://schemas.microsoft.com/office/drawing/2014/main" id="{EBB84B4F-0D95-CF75-8F47-5FD5FA7B7A83}"/>
+                <a16:creationId xmlns:a16="http://schemas.microsoft.com/office/drawing/2014/main" id="{D9285352-22C8-B825-17FA-A943A70FA8D6}"/>
               </a:ext>
             </a:extLst>
           </p:cNvPr>
@@ -2902,7 +2902,7 @@
             </a:lvl1pPr>
           </a:lstStyle>
           <a:p>
-            <a:fld id="{2EBEDCAF-71C7-41B9-A913-19961FA98887}" type="datetimeFigureOut">
+            <a:fld id="{B57A9F4B-D8FB-4F2D-A390-8231481108DC}" type="datetimeFigureOut">
               <a:rPr lang="zh-CN" altLang="en-US" smtClean="0"/>
               <a:t>2024/3/10</a:t>
             </a:fld>
@@ -2915,7 +2915,7 @@
           <p:cNvPr id="5" name="页脚占位符 4">
             <a:extLst>
               <a:ext uri="{FF2B5EF4-FFF2-40B4-BE49-F238E27FC236}">
-                <a16:creationId xmlns:a16="http://schemas.microsoft.com/office/drawing/2014/main" id="{85596BC7-A096-43BB-EEF1-686021BC96B2}"/>
+                <a16:creationId xmlns:a16="http://schemas.microsoft.com/office/drawing/2014/main" id="{F21481E5-8E39-FB32-88DD-CE6BA94A6349}"/>
               </a:ext>
             </a:extLst>
           </p:cNvPr>
@@ -2958,7 +2958,7 @@
           <p:cNvPr id="6" name="灯片编号占位符 5">
             <a:extLst>
               <a:ext uri="{FF2B5EF4-FFF2-40B4-BE49-F238E27FC236}">
-                <a16:creationId xmlns:a16="http://schemas.microsoft.com/office/drawing/2014/main" id="{0F06F16C-CE61-D96B-DBC8-CF3735946B13}"/>
+                <a16:creationId xmlns:a16="http://schemas.microsoft.com/office/drawing/2014/main" id="{F121332D-2132-18AE-43AD-EBB185C70C7C}"/>
               </a:ext>
             </a:extLst>
           </p:cNvPr>
@@ -2992,7 +2992,7 @@
             </a:lvl1pPr>
           </a:lstStyle>
           <a:p>
-            <a:fld id="{976ABF4D-2797-490F-9ACB-9F992E7D8F78}" type="slidenum">
+            <a:fld id="{679D049F-EC02-4B51-A020-71D6B9AFC62C}" type="slidenum">
               <a:rPr lang="zh-CN" altLang="en-US" smtClean="0"/>
               <a:t>‹#›</a:t>
             </a:fld>
@@ -3003,7 +3003,7 @@
     </p:spTree>
     <p:extLst>
       <p:ext uri="{BB962C8B-B14F-4D97-AF65-F5344CB8AC3E}">
-        <p14:creationId xmlns:p14="http://schemas.microsoft.com/office/powerpoint/2010/main" val="2507897219"/>
+        <p14:creationId xmlns:p14="http://schemas.microsoft.com/office/powerpoint/2010/main" val="2093490953"/>
       </p:ext>
     </p:extLst>
   </p:cSld>
